--- a/999_Präsentation/PPP/GEM.pptx
+++ b/999_Präsentation/PPP/GEM.pptx
@@ -3789,8 +3789,19 @@
       <p:bgPr>
         <a:blipFill dpi="0" rotWithShape="1">
           <a:blip r:embed="rId3">
-            <a:alphaModFix amt="75000"/>
+            <a:alphaModFix amt="85000"/>
             <a:lum/>
+            <a:extLst>
+              <a:ext uri="{BEBA8EAE-BF5A-486C-A8C5-ECC9F3942E4B}">
+                <a14:imgProps xmlns:a14="http://schemas.microsoft.com/office/drawing/2010/main">
+                  <a14:imgLayer r:embed="rId4">
+                    <a14:imgEffect>
+                      <a14:artisticCutout/>
+                    </a14:imgEffect>
+                  </a14:imgLayer>
+                </a14:imgProps>
+              </a:ext>
+            </a:extLst>
           </a:blip>
           <a:srcRect/>
           <a:stretch>

--- a/999_Präsentation/PPP/GEM.pptx
+++ b/999_Präsentation/PPP/GEM.pptx
@@ -5,10 +5,24 @@
     <p:sldMasterId id="2147483648" r:id="rId1"/>
   </p:sldMasterIdLst>
   <p:notesMasterIdLst>
-    <p:notesMasterId r:id="rId3"/>
+    <p:notesMasterId r:id="rId17"/>
   </p:notesMasterIdLst>
   <p:sldIdLst>
     <p:sldId id="256" r:id="rId2"/>
+    <p:sldId id="257" r:id="rId3"/>
+    <p:sldId id="258" r:id="rId4"/>
+    <p:sldId id="259" r:id="rId5"/>
+    <p:sldId id="260" r:id="rId6"/>
+    <p:sldId id="268" r:id="rId7"/>
+    <p:sldId id="267" r:id="rId8"/>
+    <p:sldId id="261" r:id="rId9"/>
+    <p:sldId id="269" r:id="rId10"/>
+    <p:sldId id="270" r:id="rId11"/>
+    <p:sldId id="262" r:id="rId12"/>
+    <p:sldId id="263" r:id="rId13"/>
+    <p:sldId id="264" r:id="rId14"/>
+    <p:sldId id="265" r:id="rId15"/>
+    <p:sldId id="266" r:id="rId16"/>
   </p:sldIdLst>
   <p:sldSz cx="12192000" cy="6858000"/>
   <p:notesSz cx="6858000" cy="9144000"/>
@@ -107,6 +121,11 @@
       </a:defRPr>
     </a:lvl9pPr>
   </p:defaultTextStyle>
+  <p:extLst>
+    <p:ext uri="{EFAFB233-063F-42B5-8137-9DF3F51BA10A}">
+      <p15:sldGuideLst xmlns:p15="http://schemas.microsoft.com/office/powerpoint/2012/main"/>
+    </p:ext>
+  </p:extLst>
 </p:presentation>
 </file>
 
@@ -192,7 +211,7 @@
           <a:p>
             <a:fld id="{C876C1EF-B627-480C-81BF-9EC1AAF1CB08}" type="datetimeFigureOut">
               <a:rPr lang="de-CH" smtClean="0"/>
-              <a:t>13.03.2019</a:t>
+              <a:t>17.03.19</a:t>
             </a:fld>
             <a:endParaRPr lang="de-CH"/>
           </a:p>
@@ -713,7 +732,7 @@
           <a:p>
             <a:fld id="{27FDF172-1095-44F1-9A1D-F00B965C4A69}" type="datetimeFigureOut">
               <a:rPr lang="de-CH" smtClean="0"/>
-              <a:t>13.03.2019</a:t>
+              <a:t>17.03.19</a:t>
             </a:fld>
             <a:endParaRPr lang="de-CH"/>
           </a:p>
@@ -913,7 +932,7 @@
           <a:p>
             <a:fld id="{27FDF172-1095-44F1-9A1D-F00B965C4A69}" type="datetimeFigureOut">
               <a:rPr lang="de-CH" smtClean="0"/>
-              <a:t>13.03.2019</a:t>
+              <a:t>17.03.19</a:t>
             </a:fld>
             <a:endParaRPr lang="de-CH"/>
           </a:p>
@@ -1123,7 +1142,7 @@
           <a:p>
             <a:fld id="{27FDF172-1095-44F1-9A1D-F00B965C4A69}" type="datetimeFigureOut">
               <a:rPr lang="de-CH" smtClean="0"/>
-              <a:t>13.03.2019</a:t>
+              <a:t>17.03.19</a:t>
             </a:fld>
             <a:endParaRPr lang="de-CH"/>
           </a:p>
@@ -1323,7 +1342,7 @@
           <a:p>
             <a:fld id="{27FDF172-1095-44F1-9A1D-F00B965C4A69}" type="datetimeFigureOut">
               <a:rPr lang="de-CH" smtClean="0"/>
-              <a:t>13.03.2019</a:t>
+              <a:t>17.03.19</a:t>
             </a:fld>
             <a:endParaRPr lang="de-CH"/>
           </a:p>
@@ -1599,7 +1618,7 @@
           <a:p>
             <a:fld id="{27FDF172-1095-44F1-9A1D-F00B965C4A69}" type="datetimeFigureOut">
               <a:rPr lang="de-CH" smtClean="0"/>
-              <a:t>13.03.2019</a:t>
+              <a:t>17.03.19</a:t>
             </a:fld>
             <a:endParaRPr lang="de-CH"/>
           </a:p>
@@ -1867,7 +1886,7 @@
           <a:p>
             <a:fld id="{27FDF172-1095-44F1-9A1D-F00B965C4A69}" type="datetimeFigureOut">
               <a:rPr lang="de-CH" smtClean="0"/>
-              <a:t>13.03.2019</a:t>
+              <a:t>17.03.19</a:t>
             </a:fld>
             <a:endParaRPr lang="de-CH"/>
           </a:p>
@@ -2282,7 +2301,7 @@
           <a:p>
             <a:fld id="{27FDF172-1095-44F1-9A1D-F00B965C4A69}" type="datetimeFigureOut">
               <a:rPr lang="de-CH" smtClean="0"/>
-              <a:t>13.03.2019</a:t>
+              <a:t>17.03.19</a:t>
             </a:fld>
             <a:endParaRPr lang="de-CH"/>
           </a:p>
@@ -2424,7 +2443,7 @@
           <a:p>
             <a:fld id="{27FDF172-1095-44F1-9A1D-F00B965C4A69}" type="datetimeFigureOut">
               <a:rPr lang="de-CH" smtClean="0"/>
-              <a:t>13.03.2019</a:t>
+              <a:t>17.03.19</a:t>
             </a:fld>
             <a:endParaRPr lang="de-CH"/>
           </a:p>
@@ -2537,7 +2556,7 @@
           <a:p>
             <a:fld id="{27FDF172-1095-44F1-9A1D-F00B965C4A69}" type="datetimeFigureOut">
               <a:rPr lang="de-CH" smtClean="0"/>
-              <a:t>13.03.2019</a:t>
+              <a:t>17.03.19</a:t>
             </a:fld>
             <a:endParaRPr lang="de-CH"/>
           </a:p>
@@ -2850,7 +2869,7 @@
           <a:p>
             <a:fld id="{27FDF172-1095-44F1-9A1D-F00B965C4A69}" type="datetimeFigureOut">
               <a:rPr lang="de-CH" smtClean="0"/>
-              <a:t>13.03.2019</a:t>
+              <a:t>17.03.19</a:t>
             </a:fld>
             <a:endParaRPr lang="de-CH"/>
           </a:p>
@@ -3139,7 +3158,7 @@
           <a:p>
             <a:fld id="{27FDF172-1095-44F1-9A1D-F00B965C4A69}" type="datetimeFigureOut">
               <a:rPr lang="de-CH" smtClean="0"/>
-              <a:t>13.03.2019</a:t>
+              <a:t>17.03.19</a:t>
             </a:fld>
             <a:endParaRPr lang="de-CH"/>
           </a:p>
@@ -3382,7 +3401,7 @@
           <a:p>
             <a:fld id="{27FDF172-1095-44F1-9A1D-F00B965C4A69}" type="datetimeFigureOut">
               <a:rPr lang="de-CH" smtClean="0"/>
-              <a:t>13.03.2019</a:t>
+              <a:t>17.03.19</a:t>
             </a:fld>
             <a:endParaRPr lang="de-CH"/>
           </a:p>
@@ -3933,18 +3952,2268 @@
   <p:clrMapOvr>
     <a:masterClrMapping/>
   </p:clrMapOvr>
-  <mc:AlternateContent xmlns:mc="http://schemas.openxmlformats.org/markup-compatibility/2006">
-    <mc:Choice xmlns:p14="http://schemas.microsoft.com/office/powerpoint/2010/main" Requires="p14">
+  <mc:AlternateContent xmlns:mc="http://schemas.openxmlformats.org/markup-compatibility/2006" xmlns:p14="http://schemas.microsoft.com/office/powerpoint/2010/main">
+    <mc:Choice Requires="p14">
       <p:transition spd="med" p14:dur="700">
         <p:fade/>
       </p:transition>
     </mc:Choice>
-    <mc:Fallback>
+    <mc:Fallback xmlns="">
       <p:transition spd="med">
         <p:fade/>
       </p:transition>
     </mc:Fallback>
   </mc:AlternateContent>
+</p:sld>
+</file>
+
+<file path=ppt/slides/slide10.xml><?xml version="1.0" encoding="utf-8"?>
+<p:sld xmlns:a="http://schemas.openxmlformats.org/drawingml/2006/main" xmlns:r="http://schemas.openxmlformats.org/officeDocument/2006/relationships" xmlns:p="http://schemas.openxmlformats.org/presentationml/2006/main">
+  <p:cSld>
+    <p:spTree>
+      <p:nvGrpSpPr>
+        <p:cNvPr id="1" name=""/>
+        <p:cNvGrpSpPr/>
+        <p:nvPr/>
+      </p:nvGrpSpPr>
+      <p:grpSpPr>
+        <a:xfrm>
+          <a:off x="0" y="0"/>
+          <a:ext cx="0" cy="0"/>
+          <a:chOff x="0" y="0"/>
+          <a:chExt cx="0" cy="0"/>
+        </a:xfrm>
+      </p:grpSpPr>
+      <p:sp>
+        <p:nvSpPr>
+          <p:cNvPr id="2" name="Titel 1">
+            <a:extLst>
+              <a:ext uri="{FF2B5EF4-FFF2-40B4-BE49-F238E27FC236}">
+                <a16:creationId xmlns:a16="http://schemas.microsoft.com/office/drawing/2014/main" id="{D48C59F8-B398-5944-8753-DB9E5C33898C}"/>
+              </a:ext>
+            </a:extLst>
+          </p:cNvPr>
+          <p:cNvSpPr>
+            <a:spLocks noGrp="1"/>
+          </p:cNvSpPr>
+          <p:nvPr>
+            <p:ph type="title"/>
+          </p:nvPr>
+        </p:nvSpPr>
+        <p:spPr/>
+        <p:txBody>
+          <a:bodyPr/>
+          <a:lstStyle/>
+          <a:p>
+            <a:r>
+              <a:rPr lang="en-GB" dirty="0"/>
+              <a:t>Stepper motors</a:t>
+            </a:r>
+          </a:p>
+        </p:txBody>
+      </p:sp>
+      <p:pic>
+        <p:nvPicPr>
+          <p:cNvPr id="5" name="Inhaltsplatzhalter 4">
+            <a:extLst>
+              <a:ext uri="{FF2B5EF4-FFF2-40B4-BE49-F238E27FC236}">
+                <a16:creationId xmlns:a16="http://schemas.microsoft.com/office/drawing/2014/main" id="{F6CD14A9-C247-5248-A95B-C92D0D4F90B5}"/>
+              </a:ext>
+            </a:extLst>
+          </p:cNvPr>
+          <p:cNvPicPr>
+            <a:picLocks noGrp="1" noChangeAspect="1"/>
+          </p:cNvPicPr>
+          <p:nvPr>
+            <p:ph idx="1"/>
+          </p:nvPr>
+        </p:nvPicPr>
+        <p:blipFill>
+          <a:blip r:embed="rId2">
+            <a:extLst>
+              <a:ext uri="{28A0092B-C50C-407E-A947-70E740481C1C}">
+                <a14:useLocalDpi xmlns:a14="http://schemas.microsoft.com/office/drawing/2010/main" val="0"/>
+              </a:ext>
+            </a:extLst>
+          </a:blip>
+          <a:stretch>
+            <a:fillRect/>
+          </a:stretch>
+        </p:blipFill>
+        <p:spPr>
+          <a:xfrm>
+            <a:off x="826348" y="1924270"/>
+            <a:ext cx="10515600" cy="1329886"/>
+          </a:xfrm>
+        </p:spPr>
+      </p:pic>
+      <p:pic>
+        <p:nvPicPr>
+          <p:cNvPr id="7" name="Grafik 6">
+            <a:extLst>
+              <a:ext uri="{FF2B5EF4-FFF2-40B4-BE49-F238E27FC236}">
+                <a16:creationId xmlns:a16="http://schemas.microsoft.com/office/drawing/2014/main" id="{FC0DD7A0-8DD8-2741-BFF2-D88576B8C22A}"/>
+              </a:ext>
+            </a:extLst>
+          </p:cNvPr>
+          <p:cNvPicPr>
+            <a:picLocks noChangeAspect="1"/>
+          </p:cNvPicPr>
+          <p:nvPr/>
+        </p:nvPicPr>
+        <p:blipFill>
+          <a:blip r:embed="rId3">
+            <a:extLst>
+              <a:ext uri="{28A0092B-C50C-407E-A947-70E740481C1C}">
+                <a14:useLocalDpi xmlns:a14="http://schemas.microsoft.com/office/drawing/2010/main" val="0"/>
+              </a:ext>
+            </a:extLst>
+          </a:blip>
+          <a:stretch>
+            <a:fillRect/>
+          </a:stretch>
+        </p:blipFill>
+        <p:spPr>
+          <a:xfrm>
+            <a:off x="814496" y="4423006"/>
+            <a:ext cx="10527452" cy="1404926"/>
+          </a:xfrm>
+          <a:prstGeom prst="rect">
+            <a:avLst/>
+          </a:prstGeom>
+        </p:spPr>
+      </p:pic>
+      <p:pic>
+        <p:nvPicPr>
+          <p:cNvPr id="9" name="Grafik 8">
+            <a:extLst>
+              <a:ext uri="{FF2B5EF4-FFF2-40B4-BE49-F238E27FC236}">
+                <a16:creationId xmlns:a16="http://schemas.microsoft.com/office/drawing/2014/main" id="{EB812BBE-FEDA-854F-9F2C-59BE507E26B2}"/>
+              </a:ext>
+            </a:extLst>
+          </p:cNvPr>
+          <p:cNvPicPr>
+            <a:picLocks noChangeAspect="1"/>
+          </p:cNvPicPr>
+          <p:nvPr/>
+        </p:nvPicPr>
+        <p:blipFill>
+          <a:blip r:embed="rId4">
+            <a:extLst>
+              <a:ext uri="{28A0092B-C50C-407E-A947-70E740481C1C}">
+                <a14:useLocalDpi xmlns:a14="http://schemas.microsoft.com/office/drawing/2010/main" val="0"/>
+              </a:ext>
+            </a:extLst>
+          </a:blip>
+          <a:stretch>
+            <a:fillRect/>
+          </a:stretch>
+        </p:blipFill>
+        <p:spPr>
+          <a:xfrm>
+            <a:off x="2844800" y="1263650"/>
+            <a:ext cx="6502400" cy="4330700"/>
+          </a:xfrm>
+          <a:prstGeom prst="rect">
+            <a:avLst/>
+          </a:prstGeom>
+        </p:spPr>
+      </p:pic>
+    </p:spTree>
+    <p:extLst>
+      <p:ext uri="{BB962C8B-B14F-4D97-AF65-F5344CB8AC3E}">
+        <p14:creationId xmlns:p14="http://schemas.microsoft.com/office/powerpoint/2010/main" val="3011842107"/>
+      </p:ext>
+    </p:extLst>
+  </p:cSld>
+  <p:clrMapOvr>
+    <a:masterClrMapping/>
+  </p:clrMapOvr>
+  <p:timing>
+    <p:tnLst>
+      <p:par>
+        <p:cTn id="1" dur="indefinite" restart="never" nodeType="tmRoot">
+          <p:childTnLst>
+            <p:seq concurrent="1" nextAc="seek">
+              <p:cTn id="2" dur="indefinite" nodeType="mainSeq">
+                <p:childTnLst>
+                  <p:par>
+                    <p:cTn id="3" fill="hold">
+                      <p:stCondLst>
+                        <p:cond delay="indefinite"/>
+                      </p:stCondLst>
+                      <p:childTnLst>
+                        <p:par>
+                          <p:cTn id="4" fill="hold">
+                            <p:stCondLst>
+                              <p:cond delay="0"/>
+                            </p:stCondLst>
+                            <p:childTnLst>
+                              <p:par>
+                                <p:cTn id="5" presetID="1" presetClass="exit" presetSubtype="0" fill="hold" nodeType="clickEffect">
+                                  <p:stCondLst>
+                                    <p:cond delay="0"/>
+                                  </p:stCondLst>
+                                  <p:childTnLst>
+                                    <p:set>
+                                      <p:cBhvr>
+                                        <p:cTn id="6" dur="1" fill="hold">
+                                          <p:stCondLst>
+                                            <p:cond delay="0"/>
+                                          </p:stCondLst>
+                                        </p:cTn>
+                                        <p:tgtEl>
+                                          <p:spTgt spid="9"/>
+                                        </p:tgtEl>
+                                        <p:attrNameLst>
+                                          <p:attrName>style.visibility</p:attrName>
+                                        </p:attrNameLst>
+                                      </p:cBhvr>
+                                      <p:to>
+                                        <p:strVal val="hidden"/>
+                                      </p:to>
+                                    </p:set>
+                                  </p:childTnLst>
+                                </p:cTn>
+                              </p:par>
+                            </p:childTnLst>
+                          </p:cTn>
+                        </p:par>
+                      </p:childTnLst>
+                    </p:cTn>
+                  </p:par>
+                  <p:par>
+                    <p:cTn id="7" fill="hold">
+                      <p:stCondLst>
+                        <p:cond delay="indefinite"/>
+                      </p:stCondLst>
+                      <p:childTnLst>
+                        <p:par>
+                          <p:cTn id="8" fill="hold">
+                            <p:stCondLst>
+                              <p:cond delay="0"/>
+                            </p:stCondLst>
+                            <p:childTnLst>
+                              <p:par>
+                                <p:cTn id="9" presetID="1" presetClass="entr" presetSubtype="0" fill="hold" nodeType="clickEffect">
+                                  <p:stCondLst>
+                                    <p:cond delay="0"/>
+                                  </p:stCondLst>
+                                  <p:childTnLst>
+                                    <p:set>
+                                      <p:cBhvr>
+                                        <p:cTn id="10" dur="1" fill="hold">
+                                          <p:stCondLst>
+                                            <p:cond delay="0"/>
+                                          </p:stCondLst>
+                                        </p:cTn>
+                                        <p:tgtEl>
+                                          <p:spTgt spid="5"/>
+                                        </p:tgtEl>
+                                        <p:attrNameLst>
+                                          <p:attrName>style.visibility</p:attrName>
+                                        </p:attrNameLst>
+                                      </p:cBhvr>
+                                      <p:to>
+                                        <p:strVal val="visible"/>
+                                      </p:to>
+                                    </p:set>
+                                  </p:childTnLst>
+                                </p:cTn>
+                              </p:par>
+                            </p:childTnLst>
+                          </p:cTn>
+                        </p:par>
+                      </p:childTnLst>
+                    </p:cTn>
+                  </p:par>
+                  <p:par>
+                    <p:cTn id="11" fill="hold">
+                      <p:stCondLst>
+                        <p:cond delay="indefinite"/>
+                      </p:stCondLst>
+                      <p:childTnLst>
+                        <p:par>
+                          <p:cTn id="12" fill="hold">
+                            <p:stCondLst>
+                              <p:cond delay="0"/>
+                            </p:stCondLst>
+                            <p:childTnLst>
+                              <p:par>
+                                <p:cTn id="13" presetID="1" presetClass="entr" presetSubtype="0" fill="hold" nodeType="clickEffect">
+                                  <p:stCondLst>
+                                    <p:cond delay="0"/>
+                                  </p:stCondLst>
+                                  <p:childTnLst>
+                                    <p:set>
+                                      <p:cBhvr>
+                                        <p:cTn id="14" dur="1" fill="hold">
+                                          <p:stCondLst>
+                                            <p:cond delay="0"/>
+                                          </p:stCondLst>
+                                        </p:cTn>
+                                        <p:tgtEl>
+                                          <p:spTgt spid="7"/>
+                                        </p:tgtEl>
+                                        <p:attrNameLst>
+                                          <p:attrName>style.visibility</p:attrName>
+                                        </p:attrNameLst>
+                                      </p:cBhvr>
+                                      <p:to>
+                                        <p:strVal val="visible"/>
+                                      </p:to>
+                                    </p:set>
+                                  </p:childTnLst>
+                                </p:cTn>
+                              </p:par>
+                            </p:childTnLst>
+                          </p:cTn>
+                        </p:par>
+                      </p:childTnLst>
+                    </p:cTn>
+                  </p:par>
+                </p:childTnLst>
+              </p:cTn>
+              <p:prevCondLst>
+                <p:cond evt="onPrev" delay="0">
+                  <p:tgtEl>
+                    <p:sldTgt/>
+                  </p:tgtEl>
+                </p:cond>
+              </p:prevCondLst>
+              <p:nextCondLst>
+                <p:cond evt="onNext" delay="0">
+                  <p:tgtEl>
+                    <p:sldTgt/>
+                  </p:tgtEl>
+                </p:cond>
+              </p:nextCondLst>
+            </p:seq>
+          </p:childTnLst>
+        </p:cTn>
+      </p:par>
+    </p:tnLst>
+  </p:timing>
+</p:sld>
+</file>
+
+<file path=ppt/slides/slide11.xml><?xml version="1.0" encoding="utf-8"?>
+<p:sld xmlns:a="http://schemas.openxmlformats.org/drawingml/2006/main" xmlns:r="http://schemas.openxmlformats.org/officeDocument/2006/relationships" xmlns:p="http://schemas.openxmlformats.org/presentationml/2006/main">
+  <p:cSld>
+    <p:spTree>
+      <p:nvGrpSpPr>
+        <p:cNvPr id="1" name=""/>
+        <p:cNvGrpSpPr/>
+        <p:nvPr/>
+      </p:nvGrpSpPr>
+      <p:grpSpPr>
+        <a:xfrm>
+          <a:off x="0" y="0"/>
+          <a:ext cx="0" cy="0"/>
+          <a:chOff x="0" y="0"/>
+          <a:chExt cx="0" cy="0"/>
+        </a:xfrm>
+      </p:grpSpPr>
+      <p:sp>
+        <p:nvSpPr>
+          <p:cNvPr id="2" name="Titel 1"/>
+          <p:cNvSpPr>
+            <a:spLocks noGrp="1"/>
+          </p:cNvSpPr>
+          <p:nvPr>
+            <p:ph type="title"/>
+          </p:nvPr>
+        </p:nvSpPr>
+        <p:spPr/>
+        <p:txBody>
+          <a:bodyPr/>
+          <a:lstStyle/>
+          <a:p>
+            <a:r>
+              <a:rPr lang="de-CH" dirty="0"/>
+              <a:t>Development Environment</a:t>
+            </a:r>
+            <a:endParaRPr lang="en-US" dirty="0"/>
+          </a:p>
+        </p:txBody>
+      </p:sp>
+      <p:sp>
+        <p:nvSpPr>
+          <p:cNvPr id="6" name="Textplatzhalter 5"/>
+          <p:cNvSpPr>
+            <a:spLocks noGrp="1"/>
+          </p:cNvSpPr>
+          <p:nvPr>
+            <p:ph type="body" idx="1"/>
+          </p:nvPr>
+        </p:nvSpPr>
+        <p:spPr>
+          <a:xfrm>
+            <a:off x="839788" y="1446962"/>
+            <a:ext cx="10515600" cy="407613"/>
+          </a:xfrm>
+        </p:spPr>
+        <p:txBody>
+          <a:bodyPr>
+            <a:normAutofit lnSpcReduction="10000"/>
+          </a:bodyPr>
+          <a:lstStyle/>
+          <a:p>
+            <a:pPr algn="ctr"/>
+            <a:r>
+              <a:rPr lang="de-CH" dirty="0"/>
+              <a:t>Arduino</a:t>
+            </a:r>
+            <a:endParaRPr lang="en-US" dirty="0"/>
+          </a:p>
+        </p:txBody>
+      </p:sp>
+      <p:pic>
+        <p:nvPicPr>
+          <p:cNvPr id="10" name="Inhaltsplatzhalter 9"/>
+          <p:cNvPicPr>
+            <a:picLocks noGrp="1" noChangeAspect="1"/>
+          </p:cNvPicPr>
+          <p:nvPr>
+            <p:ph sz="half" idx="2"/>
+          </p:nvPr>
+        </p:nvPicPr>
+        <p:blipFill>
+          <a:blip r:embed="rId2"/>
+          <a:stretch>
+            <a:fillRect/>
+          </a:stretch>
+        </p:blipFill>
+        <p:spPr>
+          <a:xfrm>
+            <a:off x="839788" y="2505075"/>
+            <a:ext cx="5157787" cy="3309579"/>
+          </a:xfrm>
+          <a:prstGeom prst="rect">
+            <a:avLst/>
+          </a:prstGeom>
+        </p:spPr>
+      </p:pic>
+      <p:sp>
+        <p:nvSpPr>
+          <p:cNvPr id="8" name="Textplatzhalter 7"/>
+          <p:cNvSpPr>
+            <a:spLocks noGrp="1"/>
+          </p:cNvSpPr>
+          <p:nvPr>
+            <p:ph type="body" sz="quarter" idx="3"/>
+          </p:nvPr>
+        </p:nvSpPr>
+        <p:spPr/>
+        <p:txBody>
+          <a:bodyPr/>
+          <a:lstStyle/>
+          <a:p>
+            <a:pPr algn="ctr"/>
+            <a:r>
+              <a:rPr lang="de-CH" dirty="0" err="1"/>
+              <a:t>Nextion</a:t>
+            </a:r>
+            <a:r>
+              <a:rPr lang="de-CH" dirty="0"/>
+              <a:t> Editor</a:t>
+            </a:r>
+            <a:endParaRPr lang="en-US" dirty="0"/>
+          </a:p>
+        </p:txBody>
+      </p:sp>
+      <p:sp>
+        <p:nvSpPr>
+          <p:cNvPr id="9" name="Inhaltsplatzhalter 8"/>
+          <p:cNvSpPr>
+            <a:spLocks noGrp="1"/>
+          </p:cNvSpPr>
+          <p:nvPr>
+            <p:ph sz="quarter" idx="4"/>
+          </p:nvPr>
+        </p:nvSpPr>
+        <p:spPr/>
+        <p:txBody>
+          <a:bodyPr/>
+          <a:lstStyle/>
+          <a:p>
+            <a:r>
+              <a:rPr lang="de-CH" dirty="0"/>
+              <a:t>Variables Definition</a:t>
+            </a:r>
+          </a:p>
+          <a:p>
+            <a:r>
+              <a:rPr lang="de-CH" dirty="0"/>
+              <a:t>Keywords</a:t>
+            </a:r>
+          </a:p>
+          <a:p>
+            <a:r>
+              <a:rPr lang="de-CH" dirty="0" err="1"/>
+              <a:t>Void</a:t>
+            </a:r>
+            <a:r>
+              <a:rPr lang="de-CH" dirty="0"/>
+              <a:t> </a:t>
+            </a:r>
+            <a:r>
+              <a:rPr lang="de-CH" dirty="0" err="1"/>
+              <a:t>setup</a:t>
+            </a:r>
+            <a:endParaRPr lang="de-CH" dirty="0"/>
+          </a:p>
+          <a:p>
+            <a:r>
+              <a:rPr lang="de-CH" dirty="0" err="1"/>
+              <a:t>Void</a:t>
+            </a:r>
+            <a:r>
+              <a:rPr lang="de-CH" dirty="0"/>
+              <a:t> loop</a:t>
+            </a:r>
+          </a:p>
+          <a:p>
+            <a:r>
+              <a:rPr lang="de-CH" dirty="0"/>
+              <a:t>Statements</a:t>
+            </a:r>
+          </a:p>
+          <a:p>
+            <a:r>
+              <a:rPr lang="de-CH" dirty="0"/>
+              <a:t>{}</a:t>
+            </a:r>
+            <a:endParaRPr lang="en-US" dirty="0"/>
+          </a:p>
+        </p:txBody>
+      </p:sp>
+    </p:spTree>
+    <p:extLst>
+      <p:ext uri="{BB962C8B-B14F-4D97-AF65-F5344CB8AC3E}">
+        <p14:creationId xmlns:p14="http://schemas.microsoft.com/office/powerpoint/2010/main" val="1033389469"/>
+      </p:ext>
+    </p:extLst>
+  </p:cSld>
+  <p:clrMapOvr>
+    <a:masterClrMapping/>
+  </p:clrMapOvr>
+</p:sld>
+</file>
+
+<file path=ppt/slides/slide12.xml><?xml version="1.0" encoding="utf-8"?>
+<p:sld xmlns:a="http://schemas.openxmlformats.org/drawingml/2006/main" xmlns:r="http://schemas.openxmlformats.org/officeDocument/2006/relationships" xmlns:p="http://schemas.openxmlformats.org/presentationml/2006/main">
+  <p:cSld>
+    <p:spTree>
+      <p:nvGrpSpPr>
+        <p:cNvPr id="1" name=""/>
+        <p:cNvGrpSpPr/>
+        <p:nvPr/>
+      </p:nvGrpSpPr>
+      <p:grpSpPr>
+        <a:xfrm>
+          <a:off x="0" y="0"/>
+          <a:ext cx="0" cy="0"/>
+          <a:chOff x="0" y="0"/>
+          <a:chExt cx="0" cy="0"/>
+        </a:xfrm>
+      </p:grpSpPr>
+      <p:sp>
+        <p:nvSpPr>
+          <p:cNvPr id="2" name="Titel 1"/>
+          <p:cNvSpPr>
+            <a:spLocks noGrp="1"/>
+          </p:cNvSpPr>
+          <p:nvPr>
+            <p:ph type="title"/>
+          </p:nvPr>
+        </p:nvSpPr>
+        <p:spPr/>
+        <p:txBody>
+          <a:bodyPr/>
+          <a:lstStyle/>
+          <a:p>
+            <a:r>
+              <a:rPr lang="de-CH" dirty="0"/>
+              <a:t>Development Environment</a:t>
+            </a:r>
+            <a:endParaRPr lang="en-US" dirty="0"/>
+          </a:p>
+        </p:txBody>
+      </p:sp>
+      <p:sp>
+        <p:nvSpPr>
+          <p:cNvPr id="6" name="Textplatzhalter 5"/>
+          <p:cNvSpPr>
+            <a:spLocks noGrp="1"/>
+          </p:cNvSpPr>
+          <p:nvPr>
+            <p:ph type="body" idx="1"/>
+          </p:nvPr>
+        </p:nvSpPr>
+        <p:spPr>
+          <a:xfrm>
+            <a:off x="839788" y="1304645"/>
+            <a:ext cx="10515600" cy="533119"/>
+          </a:xfrm>
+        </p:spPr>
+        <p:txBody>
+          <a:bodyPr/>
+          <a:lstStyle/>
+          <a:p>
+            <a:pPr algn="ctr"/>
+            <a:r>
+              <a:rPr lang="de-CH" dirty="0" err="1"/>
+              <a:t>Nextion</a:t>
+            </a:r>
+            <a:r>
+              <a:rPr lang="de-CH" dirty="0"/>
+              <a:t> Editor</a:t>
+            </a:r>
+            <a:endParaRPr lang="en-US" dirty="0"/>
+          </a:p>
+        </p:txBody>
+      </p:sp>
+      <p:pic>
+        <p:nvPicPr>
+          <p:cNvPr id="5" name="Inhaltsplatzhalter 4"/>
+          <p:cNvPicPr>
+            <a:picLocks noGrp="1" noChangeAspect="1"/>
+          </p:cNvPicPr>
+          <p:nvPr>
+            <p:ph sz="half" idx="2"/>
+          </p:nvPr>
+        </p:nvPicPr>
+        <p:blipFill>
+          <a:blip r:embed="rId2"/>
+          <a:stretch>
+            <a:fillRect/>
+          </a:stretch>
+        </p:blipFill>
+        <p:spPr>
+          <a:xfrm>
+            <a:off x="1734811" y="1837764"/>
+            <a:ext cx="8725553" cy="4744519"/>
+          </a:xfrm>
+          <a:prstGeom prst="rect">
+            <a:avLst/>
+          </a:prstGeom>
+        </p:spPr>
+      </p:pic>
+    </p:spTree>
+    <p:extLst>
+      <p:ext uri="{BB962C8B-B14F-4D97-AF65-F5344CB8AC3E}">
+        <p14:creationId xmlns:p14="http://schemas.microsoft.com/office/powerpoint/2010/main" val="1869165168"/>
+      </p:ext>
+    </p:extLst>
+  </p:cSld>
+  <p:clrMapOvr>
+    <a:masterClrMapping/>
+  </p:clrMapOvr>
+</p:sld>
+</file>
+
+<file path=ppt/slides/slide13.xml><?xml version="1.0" encoding="utf-8"?>
+<p:sld xmlns:a="http://schemas.openxmlformats.org/drawingml/2006/main" xmlns:r="http://schemas.openxmlformats.org/officeDocument/2006/relationships" xmlns:p="http://schemas.openxmlformats.org/presentationml/2006/main">
+  <p:cSld>
+    <p:spTree>
+      <p:nvGrpSpPr>
+        <p:cNvPr id="1" name=""/>
+        <p:cNvGrpSpPr/>
+        <p:nvPr/>
+      </p:nvGrpSpPr>
+      <p:grpSpPr>
+        <a:xfrm>
+          <a:off x="0" y="0"/>
+          <a:ext cx="0" cy="0"/>
+          <a:chOff x="0" y="0"/>
+          <a:chExt cx="0" cy="0"/>
+        </a:xfrm>
+      </p:grpSpPr>
+      <p:sp>
+        <p:nvSpPr>
+          <p:cNvPr id="2" name="Titel 1"/>
+          <p:cNvSpPr>
+            <a:spLocks noGrp="1"/>
+          </p:cNvSpPr>
+          <p:nvPr>
+            <p:ph type="title"/>
+          </p:nvPr>
+        </p:nvSpPr>
+        <p:spPr/>
+        <p:txBody>
+          <a:bodyPr/>
+          <a:lstStyle/>
+          <a:p>
+            <a:r>
+              <a:rPr lang="de-CH" dirty="0"/>
+              <a:t>Operating Mode</a:t>
+            </a:r>
+            <a:endParaRPr lang="en-US" dirty="0"/>
+          </a:p>
+        </p:txBody>
+      </p:sp>
+      <p:sp>
+        <p:nvSpPr>
+          <p:cNvPr id="3" name="Inhaltsplatzhalter 2"/>
+          <p:cNvSpPr>
+            <a:spLocks noGrp="1"/>
+          </p:cNvSpPr>
+          <p:nvPr>
+            <p:ph sz="half" idx="1"/>
+          </p:nvPr>
+        </p:nvSpPr>
+        <p:spPr/>
+        <p:txBody>
+          <a:bodyPr/>
+          <a:lstStyle/>
+          <a:p>
+            <a:r>
+              <a:rPr lang="de-CH" dirty="0"/>
+              <a:t>Off</a:t>
+            </a:r>
+          </a:p>
+          <a:p>
+            <a:r>
+              <a:rPr lang="de-CH" dirty="0"/>
+              <a:t>Auto</a:t>
+            </a:r>
+          </a:p>
+          <a:p>
+            <a:r>
+              <a:rPr lang="de-CH" dirty="0"/>
+              <a:t>Hand</a:t>
+            </a:r>
+          </a:p>
+          <a:p>
+            <a:r>
+              <a:rPr lang="de-CH" dirty="0" err="1"/>
+              <a:t>Insp</a:t>
+            </a:r>
+            <a:endParaRPr lang="en-US" dirty="0"/>
+          </a:p>
+        </p:txBody>
+      </p:sp>
+      <p:sp>
+        <p:nvSpPr>
+          <p:cNvPr id="4" name="Inhaltsplatzhalter 3"/>
+          <p:cNvSpPr>
+            <a:spLocks noGrp="1"/>
+          </p:cNvSpPr>
+          <p:nvPr>
+            <p:ph sz="half" idx="2"/>
+          </p:nvPr>
+        </p:nvSpPr>
+        <p:spPr/>
+        <p:txBody>
+          <a:bodyPr/>
+          <a:lstStyle/>
+          <a:p>
+            <a:endParaRPr lang="en-US"/>
+          </a:p>
+        </p:txBody>
+      </p:sp>
+    </p:spTree>
+    <p:extLst>
+      <p:ext uri="{BB962C8B-B14F-4D97-AF65-F5344CB8AC3E}">
+        <p14:creationId xmlns:p14="http://schemas.microsoft.com/office/powerpoint/2010/main" val="1947410393"/>
+      </p:ext>
+    </p:extLst>
+  </p:cSld>
+  <p:clrMapOvr>
+    <a:masterClrMapping/>
+  </p:clrMapOvr>
+</p:sld>
+</file>
+
+<file path=ppt/slides/slide14.xml><?xml version="1.0" encoding="utf-8"?>
+<p:sld xmlns:a="http://schemas.openxmlformats.org/drawingml/2006/main" xmlns:r="http://schemas.openxmlformats.org/officeDocument/2006/relationships" xmlns:p="http://schemas.openxmlformats.org/presentationml/2006/main">
+  <p:cSld>
+    <p:spTree>
+      <p:nvGrpSpPr>
+        <p:cNvPr id="1" name=""/>
+        <p:cNvGrpSpPr/>
+        <p:nvPr/>
+      </p:nvGrpSpPr>
+      <p:grpSpPr>
+        <a:xfrm>
+          <a:off x="0" y="0"/>
+          <a:ext cx="0" cy="0"/>
+          <a:chOff x="0" y="0"/>
+          <a:chExt cx="0" cy="0"/>
+        </a:xfrm>
+      </p:grpSpPr>
+      <p:pic>
+        <p:nvPicPr>
+          <p:cNvPr id="5" name="Inhaltsplatzhalter 4" descr="C:\Users\b7schal\Documents\GitHub\GEM\70_Software\StateMachine.PNG"/>
+          <p:cNvPicPr>
+            <a:picLocks noGrp="1"/>
+          </p:cNvPicPr>
+          <p:nvPr>
+            <p:ph sz="half" idx="1"/>
+          </p:nvPr>
+        </p:nvPicPr>
+        <p:blipFill>
+          <a:blip r:embed="rId2">
+            <a:extLst>
+              <a:ext uri="{28A0092B-C50C-407E-A947-70E740481C1C}">
+                <a14:useLocalDpi xmlns:a14="http://schemas.microsoft.com/office/drawing/2010/main" val="0"/>
+              </a:ext>
+            </a:extLst>
+          </a:blip>
+          <a:srcRect/>
+          <a:stretch>
+            <a:fillRect/>
+          </a:stretch>
+        </p:blipFill>
+        <p:spPr bwMode="auto">
+          <a:xfrm>
+            <a:off x="1178552" y="2220543"/>
+            <a:ext cx="4500893" cy="4351338"/>
+          </a:xfrm>
+          <a:prstGeom prst="rect">
+            <a:avLst/>
+          </a:prstGeom>
+          <a:noFill/>
+          <a:ln>
+            <a:noFill/>
+          </a:ln>
+        </p:spPr>
+      </p:pic>
+      <p:sp>
+        <p:nvSpPr>
+          <p:cNvPr id="2" name="Titel 1"/>
+          <p:cNvSpPr>
+            <a:spLocks noGrp="1"/>
+          </p:cNvSpPr>
+          <p:nvPr>
+            <p:ph type="title"/>
+          </p:nvPr>
+        </p:nvSpPr>
+        <p:spPr/>
+        <p:txBody>
+          <a:bodyPr/>
+          <a:lstStyle/>
+          <a:p>
+            <a:r>
+              <a:rPr lang="de-CH" dirty="0"/>
+              <a:t>State </a:t>
+            </a:r>
+            <a:r>
+              <a:rPr lang="de-CH" dirty="0" err="1"/>
+              <a:t>Machine</a:t>
+            </a:r>
+            <a:endParaRPr lang="en-US" dirty="0"/>
+          </a:p>
+        </p:txBody>
+      </p:sp>
+      <p:sp>
+        <p:nvSpPr>
+          <p:cNvPr id="4" name="Inhaltsplatzhalter 3"/>
+          <p:cNvSpPr>
+            <a:spLocks noGrp="1"/>
+          </p:cNvSpPr>
+          <p:nvPr>
+            <p:ph sz="half" idx="2"/>
+          </p:nvPr>
+        </p:nvSpPr>
+        <p:spPr/>
+        <p:txBody>
+          <a:bodyPr/>
+          <a:lstStyle/>
+          <a:p>
+            <a:endParaRPr lang="en-US" dirty="0"/>
+          </a:p>
+        </p:txBody>
+      </p:sp>
+      <p:pic>
+        <p:nvPicPr>
+          <p:cNvPr id="8" name="Grafik 7"/>
+          <p:cNvPicPr>
+            <a:picLocks noChangeAspect="1"/>
+          </p:cNvPicPr>
+          <p:nvPr/>
+        </p:nvPicPr>
+        <p:blipFill>
+          <a:blip r:embed="rId3"/>
+          <a:stretch>
+            <a:fillRect/>
+          </a:stretch>
+        </p:blipFill>
+        <p:spPr>
+          <a:xfrm>
+            <a:off x="1545238" y="2065050"/>
+            <a:ext cx="3767520" cy="4483032"/>
+          </a:xfrm>
+          <a:prstGeom prst="rect">
+            <a:avLst/>
+          </a:prstGeom>
+        </p:spPr>
+      </p:pic>
+      <p:pic>
+        <p:nvPicPr>
+          <p:cNvPr id="9" name="Grafik 8"/>
+          <p:cNvPicPr>
+            <a:picLocks noChangeAspect="1"/>
+          </p:cNvPicPr>
+          <p:nvPr/>
+        </p:nvPicPr>
+        <p:blipFill>
+          <a:blip r:embed="rId4"/>
+          <a:stretch>
+            <a:fillRect/>
+          </a:stretch>
+        </p:blipFill>
+        <p:spPr>
+          <a:xfrm>
+            <a:off x="1780264" y="1924424"/>
+            <a:ext cx="3297468" cy="4758133"/>
+          </a:xfrm>
+          <a:prstGeom prst="rect">
+            <a:avLst/>
+          </a:prstGeom>
+        </p:spPr>
+      </p:pic>
+    </p:spTree>
+    <p:extLst>
+      <p:ext uri="{BB962C8B-B14F-4D97-AF65-F5344CB8AC3E}">
+        <p14:creationId xmlns:p14="http://schemas.microsoft.com/office/powerpoint/2010/main" val="532641195"/>
+      </p:ext>
+    </p:extLst>
+  </p:cSld>
+  <p:clrMapOvr>
+    <a:masterClrMapping/>
+  </p:clrMapOvr>
+  <p:timing>
+    <p:tnLst>
+      <p:par>
+        <p:cTn id="1" dur="indefinite" restart="never" nodeType="tmRoot">
+          <p:childTnLst>
+            <p:seq concurrent="1" nextAc="seek">
+              <p:cTn id="2" dur="indefinite" nodeType="mainSeq">
+                <p:childTnLst>
+                  <p:par>
+                    <p:cTn id="3" fill="hold">
+                      <p:stCondLst>
+                        <p:cond delay="indefinite"/>
+                      </p:stCondLst>
+                      <p:childTnLst>
+                        <p:par>
+                          <p:cTn id="4" fill="hold">
+                            <p:stCondLst>
+                              <p:cond delay="0"/>
+                            </p:stCondLst>
+                            <p:childTnLst>
+                              <p:par>
+                                <p:cTn id="5" presetID="1" presetClass="exit" presetSubtype="0" fill="hold" nodeType="clickEffect">
+                                  <p:stCondLst>
+                                    <p:cond delay="0"/>
+                                  </p:stCondLst>
+                                  <p:childTnLst>
+                                    <p:set>
+                                      <p:cBhvr>
+                                        <p:cTn id="6" dur="1" fill="hold">
+                                          <p:stCondLst>
+                                            <p:cond delay="0"/>
+                                          </p:stCondLst>
+                                        </p:cTn>
+                                        <p:tgtEl>
+                                          <p:spTgt spid="5"/>
+                                        </p:tgtEl>
+                                        <p:attrNameLst>
+                                          <p:attrName>style.visibility</p:attrName>
+                                        </p:attrNameLst>
+                                      </p:cBhvr>
+                                      <p:to>
+                                        <p:strVal val="hidden"/>
+                                      </p:to>
+                                    </p:set>
+                                  </p:childTnLst>
+                                </p:cTn>
+                              </p:par>
+                              <p:par>
+                                <p:cTn id="7" presetID="1" presetClass="entr" presetSubtype="0" fill="hold" nodeType="withEffect">
+                                  <p:stCondLst>
+                                    <p:cond delay="0"/>
+                                  </p:stCondLst>
+                                  <p:childTnLst>
+                                    <p:set>
+                                      <p:cBhvr>
+                                        <p:cTn id="8" dur="1" fill="hold">
+                                          <p:stCondLst>
+                                            <p:cond delay="0"/>
+                                          </p:stCondLst>
+                                        </p:cTn>
+                                        <p:tgtEl>
+                                          <p:spTgt spid="8"/>
+                                        </p:tgtEl>
+                                        <p:attrNameLst>
+                                          <p:attrName>style.visibility</p:attrName>
+                                        </p:attrNameLst>
+                                      </p:cBhvr>
+                                      <p:to>
+                                        <p:strVal val="visible"/>
+                                      </p:to>
+                                    </p:set>
+                                  </p:childTnLst>
+                                </p:cTn>
+                              </p:par>
+                            </p:childTnLst>
+                          </p:cTn>
+                        </p:par>
+                      </p:childTnLst>
+                    </p:cTn>
+                  </p:par>
+                  <p:par>
+                    <p:cTn id="9" fill="hold">
+                      <p:stCondLst>
+                        <p:cond delay="indefinite"/>
+                      </p:stCondLst>
+                      <p:childTnLst>
+                        <p:par>
+                          <p:cTn id="10" fill="hold">
+                            <p:stCondLst>
+                              <p:cond delay="0"/>
+                            </p:stCondLst>
+                            <p:childTnLst>
+                              <p:par>
+                                <p:cTn id="11" presetID="1" presetClass="exit" presetSubtype="0" fill="hold" nodeType="clickEffect">
+                                  <p:stCondLst>
+                                    <p:cond delay="0"/>
+                                  </p:stCondLst>
+                                  <p:childTnLst>
+                                    <p:set>
+                                      <p:cBhvr>
+                                        <p:cTn id="12" dur="1" fill="hold">
+                                          <p:stCondLst>
+                                            <p:cond delay="0"/>
+                                          </p:stCondLst>
+                                        </p:cTn>
+                                        <p:tgtEl>
+                                          <p:spTgt spid="8"/>
+                                        </p:tgtEl>
+                                        <p:attrNameLst>
+                                          <p:attrName>style.visibility</p:attrName>
+                                        </p:attrNameLst>
+                                      </p:cBhvr>
+                                      <p:to>
+                                        <p:strVal val="hidden"/>
+                                      </p:to>
+                                    </p:set>
+                                  </p:childTnLst>
+                                </p:cTn>
+                              </p:par>
+                              <p:par>
+                                <p:cTn id="13" presetID="1" presetClass="entr" presetSubtype="0" fill="hold" nodeType="withEffect">
+                                  <p:stCondLst>
+                                    <p:cond delay="0"/>
+                                  </p:stCondLst>
+                                  <p:childTnLst>
+                                    <p:set>
+                                      <p:cBhvr>
+                                        <p:cTn id="14" dur="1" fill="hold">
+                                          <p:stCondLst>
+                                            <p:cond delay="0"/>
+                                          </p:stCondLst>
+                                        </p:cTn>
+                                        <p:tgtEl>
+                                          <p:spTgt spid="9"/>
+                                        </p:tgtEl>
+                                        <p:attrNameLst>
+                                          <p:attrName>style.visibility</p:attrName>
+                                        </p:attrNameLst>
+                                      </p:cBhvr>
+                                      <p:to>
+                                        <p:strVal val="visible"/>
+                                      </p:to>
+                                    </p:set>
+                                  </p:childTnLst>
+                                </p:cTn>
+                              </p:par>
+                            </p:childTnLst>
+                          </p:cTn>
+                        </p:par>
+                      </p:childTnLst>
+                    </p:cTn>
+                  </p:par>
+                </p:childTnLst>
+              </p:cTn>
+              <p:prevCondLst>
+                <p:cond evt="onPrev" delay="0">
+                  <p:tgtEl>
+                    <p:sldTgt/>
+                  </p:tgtEl>
+                </p:cond>
+              </p:prevCondLst>
+              <p:nextCondLst>
+                <p:cond evt="onNext" delay="0">
+                  <p:tgtEl>
+                    <p:sldTgt/>
+                  </p:tgtEl>
+                </p:cond>
+              </p:nextCondLst>
+            </p:seq>
+          </p:childTnLst>
+        </p:cTn>
+      </p:par>
+    </p:tnLst>
+  </p:timing>
+</p:sld>
+</file>
+
+<file path=ppt/slides/slide15.xml><?xml version="1.0" encoding="utf-8"?>
+<p:sld xmlns:a="http://schemas.openxmlformats.org/drawingml/2006/main" xmlns:r="http://schemas.openxmlformats.org/officeDocument/2006/relationships" xmlns:p="http://schemas.openxmlformats.org/presentationml/2006/main">
+  <p:cSld>
+    <p:spTree>
+      <p:nvGrpSpPr>
+        <p:cNvPr id="1" name=""/>
+        <p:cNvGrpSpPr/>
+        <p:nvPr/>
+      </p:nvGrpSpPr>
+      <p:grpSpPr>
+        <a:xfrm>
+          <a:off x="0" y="0"/>
+          <a:ext cx="0" cy="0"/>
+          <a:chOff x="0" y="0"/>
+          <a:chExt cx="0" cy="0"/>
+        </a:xfrm>
+      </p:grpSpPr>
+      <p:sp>
+        <p:nvSpPr>
+          <p:cNvPr id="2" name="Titel 1">
+            <a:extLst>
+              <a:ext uri="{FF2B5EF4-FFF2-40B4-BE49-F238E27FC236}">
+                <a16:creationId xmlns:a16="http://schemas.microsoft.com/office/drawing/2014/main" id="{6CA4F5A3-CD20-184A-8E1C-9ED02C1A8F66}"/>
+              </a:ext>
+            </a:extLst>
+          </p:cNvPr>
+          <p:cNvSpPr>
+            <a:spLocks noGrp="1"/>
+          </p:cNvSpPr>
+          <p:nvPr>
+            <p:ph type="title"/>
+          </p:nvPr>
+        </p:nvSpPr>
+        <p:spPr/>
+        <p:txBody>
+          <a:bodyPr/>
+          <a:lstStyle/>
+          <a:p>
+            <a:r>
+              <a:rPr lang="de-DE" dirty="0"/>
+              <a:t>Final </a:t>
+            </a:r>
+            <a:r>
+              <a:rPr lang="de-DE" dirty="0" err="1"/>
+              <a:t>statement</a:t>
+            </a:r>
+            <a:endParaRPr lang="de-DE" dirty="0"/>
+          </a:p>
+        </p:txBody>
+      </p:sp>
+      <p:sp>
+        <p:nvSpPr>
+          <p:cNvPr id="4" name="Inhaltsplatzhalter 3">
+            <a:extLst>
+              <a:ext uri="{FF2B5EF4-FFF2-40B4-BE49-F238E27FC236}">
+                <a16:creationId xmlns:a16="http://schemas.microsoft.com/office/drawing/2014/main" id="{ACA2057F-28C4-7C45-870E-B1C1ACB29FFA}"/>
+              </a:ext>
+            </a:extLst>
+          </p:cNvPr>
+          <p:cNvSpPr>
+            <a:spLocks noGrp="1"/>
+          </p:cNvSpPr>
+          <p:nvPr>
+            <p:ph sz="half" idx="2"/>
+          </p:nvPr>
+        </p:nvSpPr>
+        <p:spPr>
+          <a:xfrm>
+            <a:off x="838200" y="1825625"/>
+            <a:ext cx="10515600" cy="4351338"/>
+          </a:xfrm>
+        </p:spPr>
+        <p:txBody>
+          <a:bodyPr/>
+          <a:lstStyle/>
+          <a:p>
+            <a:endParaRPr lang="de-DE"/>
+          </a:p>
+        </p:txBody>
+      </p:sp>
+    </p:spTree>
+    <p:extLst>
+      <p:ext uri="{BB962C8B-B14F-4D97-AF65-F5344CB8AC3E}">
+        <p14:creationId xmlns:p14="http://schemas.microsoft.com/office/powerpoint/2010/main" val="1623214556"/>
+      </p:ext>
+    </p:extLst>
+  </p:cSld>
+  <p:clrMapOvr>
+    <a:masterClrMapping/>
+  </p:clrMapOvr>
+</p:sld>
+</file>
+
+<file path=ppt/slides/slide2.xml><?xml version="1.0" encoding="utf-8"?>
+<p:sld xmlns:a="http://schemas.openxmlformats.org/drawingml/2006/main" xmlns:r="http://schemas.openxmlformats.org/officeDocument/2006/relationships" xmlns:p="http://schemas.openxmlformats.org/presentationml/2006/main">
+  <p:cSld>
+    <p:spTree>
+      <p:nvGrpSpPr>
+        <p:cNvPr id="1" name=""/>
+        <p:cNvGrpSpPr/>
+        <p:nvPr/>
+      </p:nvGrpSpPr>
+      <p:grpSpPr>
+        <a:xfrm>
+          <a:off x="0" y="0"/>
+          <a:ext cx="0" cy="0"/>
+          <a:chOff x="0" y="0"/>
+          <a:chExt cx="0" cy="0"/>
+        </a:xfrm>
+      </p:grpSpPr>
+      <p:sp>
+        <p:nvSpPr>
+          <p:cNvPr id="2" name="Titel 1">
+            <a:extLst>
+              <a:ext uri="{FF2B5EF4-FFF2-40B4-BE49-F238E27FC236}">
+                <a16:creationId xmlns:a16="http://schemas.microsoft.com/office/drawing/2014/main" id="{A931A157-818F-6547-B289-3ED4BD6FD2C8}"/>
+              </a:ext>
+            </a:extLst>
+          </p:cNvPr>
+          <p:cNvSpPr>
+            <a:spLocks noGrp="1"/>
+          </p:cNvSpPr>
+          <p:nvPr>
+            <p:ph type="title"/>
+          </p:nvPr>
+        </p:nvSpPr>
+        <p:spPr/>
+        <p:txBody>
+          <a:bodyPr/>
+          <a:lstStyle/>
+          <a:p>
+            <a:r>
+              <a:rPr lang="de-DE" dirty="0"/>
+              <a:t>Content</a:t>
+            </a:r>
+          </a:p>
+        </p:txBody>
+      </p:sp>
+      <p:sp>
+        <p:nvSpPr>
+          <p:cNvPr id="3" name="Inhaltsplatzhalter 2">
+            <a:extLst>
+              <a:ext uri="{FF2B5EF4-FFF2-40B4-BE49-F238E27FC236}">
+                <a16:creationId xmlns:a16="http://schemas.microsoft.com/office/drawing/2014/main" id="{B1F6D98A-3F3F-B94E-AD2F-25D3B9582A9F}"/>
+              </a:ext>
+            </a:extLst>
+          </p:cNvPr>
+          <p:cNvSpPr>
+            <a:spLocks noGrp="1"/>
+          </p:cNvSpPr>
+          <p:nvPr>
+            <p:ph idx="1"/>
+          </p:nvPr>
+        </p:nvSpPr>
+        <p:spPr/>
+        <p:txBody>
+          <a:bodyPr/>
+          <a:lstStyle/>
+          <a:p>
+            <a:r>
+              <a:rPr lang="en-GB" dirty="0"/>
+              <a:t>Timetable</a:t>
+            </a:r>
+          </a:p>
+          <a:p>
+            <a:r>
+              <a:rPr lang="en-GB" dirty="0"/>
+              <a:t>CAD and mechanical components</a:t>
+            </a:r>
+          </a:p>
+          <a:p>
+            <a:r>
+              <a:rPr lang="en-GB" dirty="0"/>
+              <a:t>Schematics and electrical components</a:t>
+            </a:r>
+          </a:p>
+          <a:p>
+            <a:r>
+              <a:rPr lang="en-GB" dirty="0"/>
+              <a:t>Stepper motors</a:t>
+            </a:r>
+          </a:p>
+          <a:p>
+            <a:r>
+              <a:rPr lang="en-GB" dirty="0"/>
+              <a:t>Development environment</a:t>
+            </a:r>
+          </a:p>
+          <a:p>
+            <a:r>
+              <a:rPr lang="en-GB" dirty="0"/>
+              <a:t>Operating modes</a:t>
+            </a:r>
+          </a:p>
+          <a:p>
+            <a:r>
+              <a:rPr lang="en-GB" dirty="0"/>
+              <a:t>State machine</a:t>
+            </a:r>
+          </a:p>
+          <a:p>
+            <a:r>
+              <a:rPr lang="en-GB" dirty="0"/>
+              <a:t>Final statement</a:t>
+            </a:r>
+          </a:p>
+        </p:txBody>
+      </p:sp>
+    </p:spTree>
+    <p:extLst>
+      <p:ext uri="{BB962C8B-B14F-4D97-AF65-F5344CB8AC3E}">
+        <p14:creationId xmlns:p14="http://schemas.microsoft.com/office/powerpoint/2010/main" val="972922882"/>
+      </p:ext>
+    </p:extLst>
+  </p:cSld>
+  <p:clrMapOvr>
+    <a:masterClrMapping/>
+  </p:clrMapOvr>
+</p:sld>
+</file>
+
+<file path=ppt/slides/slide3.xml><?xml version="1.0" encoding="utf-8"?>
+<p:sld xmlns:a="http://schemas.openxmlformats.org/drawingml/2006/main" xmlns:r="http://schemas.openxmlformats.org/officeDocument/2006/relationships" xmlns:p="http://schemas.openxmlformats.org/presentationml/2006/main">
+  <p:cSld>
+    <p:spTree>
+      <p:nvGrpSpPr>
+        <p:cNvPr id="1" name=""/>
+        <p:cNvGrpSpPr/>
+        <p:nvPr/>
+      </p:nvGrpSpPr>
+      <p:grpSpPr>
+        <a:xfrm>
+          <a:off x="0" y="0"/>
+          <a:ext cx="0" cy="0"/>
+          <a:chOff x="0" y="0"/>
+          <a:chExt cx="0" cy="0"/>
+        </a:xfrm>
+      </p:grpSpPr>
+      <p:sp>
+        <p:nvSpPr>
+          <p:cNvPr id="2" name="Titel 1">
+            <a:extLst>
+              <a:ext uri="{FF2B5EF4-FFF2-40B4-BE49-F238E27FC236}">
+                <a16:creationId xmlns:a16="http://schemas.microsoft.com/office/drawing/2014/main" id="{938076C7-1676-6D4A-BBE4-CD783E25F725}"/>
+              </a:ext>
+            </a:extLst>
+          </p:cNvPr>
+          <p:cNvSpPr>
+            <a:spLocks noGrp="1"/>
+          </p:cNvSpPr>
+          <p:nvPr>
+            <p:ph type="title"/>
+          </p:nvPr>
+        </p:nvSpPr>
+        <p:spPr/>
+        <p:txBody>
+          <a:bodyPr/>
+          <a:lstStyle/>
+          <a:p>
+            <a:r>
+              <a:rPr lang="de-DE" dirty="0" err="1"/>
+              <a:t>Timetable</a:t>
+            </a:r>
+            <a:endParaRPr lang="de-DE" dirty="0"/>
+          </a:p>
+        </p:txBody>
+      </p:sp>
+      <p:sp>
+        <p:nvSpPr>
+          <p:cNvPr id="3" name="Inhaltsplatzhalter 2">
+            <a:extLst>
+              <a:ext uri="{FF2B5EF4-FFF2-40B4-BE49-F238E27FC236}">
+                <a16:creationId xmlns:a16="http://schemas.microsoft.com/office/drawing/2014/main" id="{164195D2-9F07-C740-AE36-F0498EC80D35}"/>
+              </a:ext>
+            </a:extLst>
+          </p:cNvPr>
+          <p:cNvSpPr>
+            <a:spLocks noGrp="1"/>
+          </p:cNvSpPr>
+          <p:nvPr>
+            <p:ph idx="1"/>
+          </p:nvPr>
+        </p:nvSpPr>
+        <p:spPr/>
+        <p:txBody>
+          <a:bodyPr/>
+          <a:lstStyle/>
+          <a:p>
+            <a:endParaRPr lang="de-DE"/>
+          </a:p>
+        </p:txBody>
+      </p:sp>
+    </p:spTree>
+    <p:extLst>
+      <p:ext uri="{BB962C8B-B14F-4D97-AF65-F5344CB8AC3E}">
+        <p14:creationId xmlns:p14="http://schemas.microsoft.com/office/powerpoint/2010/main" val="659868689"/>
+      </p:ext>
+    </p:extLst>
+  </p:cSld>
+  <p:clrMapOvr>
+    <a:masterClrMapping/>
+  </p:clrMapOvr>
+</p:sld>
+</file>
+
+<file path=ppt/slides/slide4.xml><?xml version="1.0" encoding="utf-8"?>
+<p:sld xmlns:a="http://schemas.openxmlformats.org/drawingml/2006/main" xmlns:r="http://schemas.openxmlformats.org/officeDocument/2006/relationships" xmlns:p="http://schemas.openxmlformats.org/presentationml/2006/main">
+  <p:cSld>
+    <p:spTree>
+      <p:nvGrpSpPr>
+        <p:cNvPr id="1" name=""/>
+        <p:cNvGrpSpPr/>
+        <p:nvPr/>
+      </p:nvGrpSpPr>
+      <p:grpSpPr>
+        <a:xfrm>
+          <a:off x="0" y="0"/>
+          <a:ext cx="0" cy="0"/>
+          <a:chOff x="0" y="0"/>
+          <a:chExt cx="0" cy="0"/>
+        </a:xfrm>
+      </p:grpSpPr>
+      <p:sp>
+        <p:nvSpPr>
+          <p:cNvPr id="2" name="Titel 1">
+            <a:extLst>
+              <a:ext uri="{FF2B5EF4-FFF2-40B4-BE49-F238E27FC236}">
+                <a16:creationId xmlns:a16="http://schemas.microsoft.com/office/drawing/2014/main" id="{963B6598-81F5-BF45-96A0-436509611331}"/>
+              </a:ext>
+            </a:extLst>
+          </p:cNvPr>
+          <p:cNvSpPr>
+            <a:spLocks noGrp="1"/>
+          </p:cNvSpPr>
+          <p:nvPr>
+            <p:ph type="title"/>
+          </p:nvPr>
+        </p:nvSpPr>
+        <p:spPr/>
+        <p:txBody>
+          <a:bodyPr/>
+          <a:lstStyle/>
+          <a:p>
+            <a:r>
+              <a:rPr lang="en-GB" dirty="0"/>
+              <a:t>CAD and mechanical components</a:t>
+            </a:r>
+            <a:endParaRPr lang="de-DE" dirty="0"/>
+          </a:p>
+        </p:txBody>
+      </p:sp>
+      <p:sp>
+        <p:nvSpPr>
+          <p:cNvPr id="3" name="Inhaltsplatzhalter 2">
+            <a:extLst>
+              <a:ext uri="{FF2B5EF4-FFF2-40B4-BE49-F238E27FC236}">
+                <a16:creationId xmlns:a16="http://schemas.microsoft.com/office/drawing/2014/main" id="{573CA90B-4FE2-E34D-8DFF-B933836ACB3F}"/>
+              </a:ext>
+            </a:extLst>
+          </p:cNvPr>
+          <p:cNvSpPr>
+            <a:spLocks noGrp="1"/>
+          </p:cNvSpPr>
+          <p:nvPr>
+            <p:ph idx="1"/>
+          </p:nvPr>
+        </p:nvSpPr>
+        <p:spPr/>
+        <p:txBody>
+          <a:bodyPr/>
+          <a:lstStyle/>
+          <a:p>
+            <a:endParaRPr lang="de-DE"/>
+          </a:p>
+        </p:txBody>
+      </p:sp>
+    </p:spTree>
+    <p:extLst>
+      <p:ext uri="{BB962C8B-B14F-4D97-AF65-F5344CB8AC3E}">
+        <p14:creationId xmlns:p14="http://schemas.microsoft.com/office/powerpoint/2010/main" val="1665922144"/>
+      </p:ext>
+    </p:extLst>
+  </p:cSld>
+  <p:clrMapOvr>
+    <a:masterClrMapping/>
+  </p:clrMapOvr>
+</p:sld>
+</file>
+
+<file path=ppt/slides/slide5.xml><?xml version="1.0" encoding="utf-8"?>
+<p:sld xmlns:a="http://schemas.openxmlformats.org/drawingml/2006/main" xmlns:r="http://schemas.openxmlformats.org/officeDocument/2006/relationships" xmlns:p="http://schemas.openxmlformats.org/presentationml/2006/main">
+  <p:cSld>
+    <p:spTree>
+      <p:nvGrpSpPr>
+        <p:cNvPr id="1" name=""/>
+        <p:cNvGrpSpPr/>
+        <p:nvPr/>
+      </p:nvGrpSpPr>
+      <p:grpSpPr>
+        <a:xfrm>
+          <a:off x="0" y="0"/>
+          <a:ext cx="0" cy="0"/>
+          <a:chOff x="0" y="0"/>
+          <a:chExt cx="0" cy="0"/>
+        </a:xfrm>
+      </p:grpSpPr>
+      <p:sp>
+        <p:nvSpPr>
+          <p:cNvPr id="2" name="Titel 1">
+            <a:extLst>
+              <a:ext uri="{FF2B5EF4-FFF2-40B4-BE49-F238E27FC236}">
+                <a16:creationId xmlns:a16="http://schemas.microsoft.com/office/drawing/2014/main" id="{1B8A074B-9716-0848-9EA9-445D1A739F2E}"/>
+              </a:ext>
+            </a:extLst>
+          </p:cNvPr>
+          <p:cNvSpPr>
+            <a:spLocks noGrp="1"/>
+          </p:cNvSpPr>
+          <p:nvPr>
+            <p:ph type="title"/>
+          </p:nvPr>
+        </p:nvSpPr>
+        <p:spPr/>
+        <p:txBody>
+          <a:bodyPr/>
+          <a:lstStyle/>
+          <a:p>
+            <a:r>
+              <a:rPr lang="en-GB" dirty="0"/>
+              <a:t>Schematics and electrical components</a:t>
+            </a:r>
+            <a:endParaRPr lang="de-DE" dirty="0"/>
+          </a:p>
+        </p:txBody>
+      </p:sp>
+      <p:pic>
+        <p:nvPicPr>
+          <p:cNvPr id="5" name="Inhaltsplatzhalter 4">
+            <a:extLst>
+              <a:ext uri="{FF2B5EF4-FFF2-40B4-BE49-F238E27FC236}">
+                <a16:creationId xmlns:a16="http://schemas.microsoft.com/office/drawing/2014/main" id="{5DD28FDE-1C62-504B-B962-9797E3C53B58}"/>
+              </a:ext>
+            </a:extLst>
+          </p:cNvPr>
+          <p:cNvPicPr>
+            <a:picLocks noGrp="1" noChangeAspect="1"/>
+          </p:cNvPicPr>
+          <p:nvPr>
+            <p:ph idx="1"/>
+          </p:nvPr>
+        </p:nvPicPr>
+        <p:blipFill>
+          <a:blip r:embed="rId2">
+            <a:extLst>
+              <a:ext uri="{28A0092B-C50C-407E-A947-70E740481C1C}">
+                <a14:useLocalDpi xmlns:a14="http://schemas.microsoft.com/office/drawing/2010/main" val="0"/>
+              </a:ext>
+            </a:extLst>
+          </a:blip>
+          <a:stretch>
+            <a:fillRect/>
+          </a:stretch>
+        </p:blipFill>
+        <p:spPr>
+          <a:xfrm>
+            <a:off x="1431235" y="1301363"/>
+            <a:ext cx="8659613" cy="5191512"/>
+          </a:xfrm>
+        </p:spPr>
+      </p:pic>
+    </p:spTree>
+    <p:extLst>
+      <p:ext uri="{BB962C8B-B14F-4D97-AF65-F5344CB8AC3E}">
+        <p14:creationId xmlns:p14="http://schemas.microsoft.com/office/powerpoint/2010/main" val="4091616412"/>
+      </p:ext>
+    </p:extLst>
+  </p:cSld>
+  <p:clrMapOvr>
+    <a:masterClrMapping/>
+  </p:clrMapOvr>
+</p:sld>
+</file>
+
+<file path=ppt/slides/slide6.xml><?xml version="1.0" encoding="utf-8"?>
+<p:sld xmlns:a="http://schemas.openxmlformats.org/drawingml/2006/main" xmlns:r="http://schemas.openxmlformats.org/officeDocument/2006/relationships" xmlns:p="http://schemas.openxmlformats.org/presentationml/2006/main">
+  <p:cSld>
+    <p:spTree>
+      <p:nvGrpSpPr>
+        <p:cNvPr id="1" name=""/>
+        <p:cNvGrpSpPr/>
+        <p:nvPr/>
+      </p:nvGrpSpPr>
+      <p:grpSpPr>
+        <a:xfrm>
+          <a:off x="0" y="0"/>
+          <a:ext cx="0" cy="0"/>
+          <a:chOff x="0" y="0"/>
+          <a:chExt cx="0" cy="0"/>
+        </a:xfrm>
+      </p:grpSpPr>
+      <p:sp>
+        <p:nvSpPr>
+          <p:cNvPr id="2" name="Titel 1">
+            <a:extLst>
+              <a:ext uri="{FF2B5EF4-FFF2-40B4-BE49-F238E27FC236}">
+                <a16:creationId xmlns:a16="http://schemas.microsoft.com/office/drawing/2014/main" id="{64F26438-4EDE-4445-B8CA-31137810033D}"/>
+              </a:ext>
+            </a:extLst>
+          </p:cNvPr>
+          <p:cNvSpPr>
+            <a:spLocks noGrp="1"/>
+          </p:cNvSpPr>
+          <p:nvPr>
+            <p:ph type="title"/>
+          </p:nvPr>
+        </p:nvSpPr>
+        <p:spPr/>
+        <p:txBody>
+          <a:bodyPr/>
+          <a:lstStyle/>
+          <a:p>
+            <a:r>
+              <a:rPr lang="en-GB" dirty="0"/>
+              <a:t>Schematics and electrical components</a:t>
+            </a:r>
+          </a:p>
+        </p:txBody>
+      </p:sp>
+      <p:pic>
+        <p:nvPicPr>
+          <p:cNvPr id="5" name="Inhaltsplatzhalter 4">
+            <a:extLst>
+              <a:ext uri="{FF2B5EF4-FFF2-40B4-BE49-F238E27FC236}">
+                <a16:creationId xmlns:a16="http://schemas.microsoft.com/office/drawing/2014/main" id="{92252435-4F72-8A44-B080-1B8F4F54E59D}"/>
+              </a:ext>
+            </a:extLst>
+          </p:cNvPr>
+          <p:cNvPicPr>
+            <a:picLocks noGrp="1" noChangeAspect="1"/>
+          </p:cNvPicPr>
+          <p:nvPr>
+            <p:ph idx="1"/>
+          </p:nvPr>
+        </p:nvPicPr>
+        <p:blipFill>
+          <a:blip r:embed="rId2">
+            <a:extLst>
+              <a:ext uri="{28A0092B-C50C-407E-A947-70E740481C1C}">
+                <a14:useLocalDpi xmlns:a14="http://schemas.microsoft.com/office/drawing/2010/main" val="0"/>
+              </a:ext>
+            </a:extLst>
+          </a:blip>
+          <a:stretch>
+            <a:fillRect/>
+          </a:stretch>
+        </p:blipFill>
+        <p:spPr>
+          <a:xfrm>
+            <a:off x="621792" y="1312584"/>
+            <a:ext cx="4434078" cy="3329806"/>
+          </a:xfrm>
+        </p:spPr>
+      </p:pic>
+      <p:pic>
+        <p:nvPicPr>
+          <p:cNvPr id="7" name="Grafik 6">
+            <a:extLst>
+              <a:ext uri="{FF2B5EF4-FFF2-40B4-BE49-F238E27FC236}">
+                <a16:creationId xmlns:a16="http://schemas.microsoft.com/office/drawing/2014/main" id="{F8603B0F-7146-0645-8796-FAA21DBDF6F0}"/>
+              </a:ext>
+            </a:extLst>
+          </p:cNvPr>
+          <p:cNvPicPr>
+            <a:picLocks noChangeAspect="1"/>
+          </p:cNvPicPr>
+          <p:nvPr/>
+        </p:nvPicPr>
+        <p:blipFill>
+          <a:blip r:embed="rId3">
+            <a:extLst>
+              <a:ext uri="{28A0092B-C50C-407E-A947-70E740481C1C}">
+                <a14:useLocalDpi xmlns:a14="http://schemas.microsoft.com/office/drawing/2010/main" val="0"/>
+              </a:ext>
+            </a:extLst>
+          </a:blip>
+          <a:stretch>
+            <a:fillRect/>
+          </a:stretch>
+        </p:blipFill>
+        <p:spPr>
+          <a:xfrm>
+            <a:off x="5059299" y="1404719"/>
+            <a:ext cx="3145536" cy="3145536"/>
+          </a:xfrm>
+          <a:prstGeom prst="rect">
+            <a:avLst/>
+          </a:prstGeom>
+        </p:spPr>
+      </p:pic>
+      <p:pic>
+        <p:nvPicPr>
+          <p:cNvPr id="9" name="Grafik 8">
+            <a:extLst>
+              <a:ext uri="{FF2B5EF4-FFF2-40B4-BE49-F238E27FC236}">
+                <a16:creationId xmlns:a16="http://schemas.microsoft.com/office/drawing/2014/main" id="{FB34DFBF-7B92-9B44-8EBC-97FB590C38C7}"/>
+              </a:ext>
+            </a:extLst>
+          </p:cNvPr>
+          <p:cNvPicPr>
+            <a:picLocks noChangeAspect="1"/>
+          </p:cNvPicPr>
+          <p:nvPr/>
+        </p:nvPicPr>
+        <p:blipFill>
+          <a:blip r:embed="rId4">
+            <a:extLst>
+              <a:ext uri="{28A0092B-C50C-407E-A947-70E740481C1C}">
+                <a14:useLocalDpi xmlns:a14="http://schemas.microsoft.com/office/drawing/2010/main" val="0"/>
+              </a:ext>
+            </a:extLst>
+          </a:blip>
+          <a:stretch>
+            <a:fillRect/>
+          </a:stretch>
+        </p:blipFill>
+        <p:spPr>
+          <a:xfrm>
+            <a:off x="8119872" y="1404719"/>
+            <a:ext cx="3654552" cy="3654552"/>
+          </a:xfrm>
+          <a:prstGeom prst="rect">
+            <a:avLst/>
+          </a:prstGeom>
+        </p:spPr>
+      </p:pic>
+    </p:spTree>
+    <p:extLst>
+      <p:ext uri="{BB962C8B-B14F-4D97-AF65-F5344CB8AC3E}">
+        <p14:creationId xmlns:p14="http://schemas.microsoft.com/office/powerpoint/2010/main" val="3328980718"/>
+      </p:ext>
+    </p:extLst>
+  </p:cSld>
+  <p:clrMapOvr>
+    <a:masterClrMapping/>
+  </p:clrMapOvr>
+</p:sld>
+</file>
+
+<file path=ppt/slides/slide7.xml><?xml version="1.0" encoding="utf-8"?>
+<p:sld xmlns:a="http://schemas.openxmlformats.org/drawingml/2006/main" xmlns:r="http://schemas.openxmlformats.org/officeDocument/2006/relationships" xmlns:p="http://schemas.openxmlformats.org/presentationml/2006/main">
+  <p:cSld>
+    <p:spTree>
+      <p:nvGrpSpPr>
+        <p:cNvPr id="1" name=""/>
+        <p:cNvGrpSpPr/>
+        <p:nvPr/>
+      </p:nvGrpSpPr>
+      <p:grpSpPr>
+        <a:xfrm>
+          <a:off x="0" y="0"/>
+          <a:ext cx="0" cy="0"/>
+          <a:chOff x="0" y="0"/>
+          <a:chExt cx="0" cy="0"/>
+        </a:xfrm>
+      </p:grpSpPr>
+      <p:sp>
+        <p:nvSpPr>
+          <p:cNvPr id="2" name="Titel 1">
+            <a:extLst>
+              <a:ext uri="{FF2B5EF4-FFF2-40B4-BE49-F238E27FC236}">
+                <a16:creationId xmlns:a16="http://schemas.microsoft.com/office/drawing/2014/main" id="{59280095-0440-BF4E-B2E8-0FED9E73705F}"/>
+              </a:ext>
+            </a:extLst>
+          </p:cNvPr>
+          <p:cNvSpPr>
+            <a:spLocks noGrp="1"/>
+          </p:cNvSpPr>
+          <p:nvPr>
+            <p:ph type="title"/>
+          </p:nvPr>
+        </p:nvSpPr>
+        <p:spPr/>
+        <p:txBody>
+          <a:bodyPr/>
+          <a:lstStyle/>
+          <a:p>
+            <a:r>
+              <a:rPr lang="en-GB" dirty="0"/>
+              <a:t>Schematics and electrical components</a:t>
+            </a:r>
+          </a:p>
+        </p:txBody>
+      </p:sp>
+      <p:pic>
+        <p:nvPicPr>
+          <p:cNvPr id="5" name="Inhaltsplatzhalter 4">
+            <a:extLst>
+              <a:ext uri="{FF2B5EF4-FFF2-40B4-BE49-F238E27FC236}">
+                <a16:creationId xmlns:a16="http://schemas.microsoft.com/office/drawing/2014/main" id="{C1F1021E-B45A-E94A-BA3F-426CD887A4CE}"/>
+              </a:ext>
+            </a:extLst>
+          </p:cNvPr>
+          <p:cNvPicPr>
+            <a:picLocks noGrp="1" noChangeAspect="1"/>
+          </p:cNvPicPr>
+          <p:nvPr>
+            <p:ph idx="1"/>
+          </p:nvPr>
+        </p:nvPicPr>
+        <p:blipFill>
+          <a:blip r:embed="rId2">
+            <a:extLst>
+              <a:ext uri="{28A0092B-C50C-407E-A947-70E740481C1C}">
+                <a14:useLocalDpi xmlns:a14="http://schemas.microsoft.com/office/drawing/2010/main" val="0"/>
+              </a:ext>
+            </a:extLst>
+          </a:blip>
+          <a:stretch>
+            <a:fillRect/>
+          </a:stretch>
+        </p:blipFill>
+        <p:spPr>
+          <a:xfrm>
+            <a:off x="838200" y="1690688"/>
+            <a:ext cx="5919304" cy="4351338"/>
+          </a:xfrm>
+        </p:spPr>
+      </p:pic>
+      <p:pic>
+        <p:nvPicPr>
+          <p:cNvPr id="7" name="Grafik 6">
+            <a:extLst>
+              <a:ext uri="{FF2B5EF4-FFF2-40B4-BE49-F238E27FC236}">
+                <a16:creationId xmlns:a16="http://schemas.microsoft.com/office/drawing/2014/main" id="{54800A30-F963-E840-99B0-81DBED383DC2}"/>
+              </a:ext>
+            </a:extLst>
+          </p:cNvPr>
+          <p:cNvPicPr>
+            <a:picLocks noChangeAspect="1"/>
+          </p:cNvPicPr>
+          <p:nvPr/>
+        </p:nvPicPr>
+        <p:blipFill>
+          <a:blip r:embed="rId3">
+            <a:extLst>
+              <a:ext uri="{28A0092B-C50C-407E-A947-70E740481C1C}">
+                <a14:useLocalDpi xmlns:a14="http://schemas.microsoft.com/office/drawing/2010/main" val="0"/>
+              </a:ext>
+            </a:extLst>
+          </a:blip>
+          <a:stretch>
+            <a:fillRect/>
+          </a:stretch>
+        </p:blipFill>
+        <p:spPr>
+          <a:xfrm>
+            <a:off x="7268972" y="1753140"/>
+            <a:ext cx="3502660" cy="4079047"/>
+          </a:xfrm>
+          <a:prstGeom prst="rect">
+            <a:avLst/>
+          </a:prstGeom>
+        </p:spPr>
+      </p:pic>
+    </p:spTree>
+    <p:extLst>
+      <p:ext uri="{BB962C8B-B14F-4D97-AF65-F5344CB8AC3E}">
+        <p14:creationId xmlns:p14="http://schemas.microsoft.com/office/powerpoint/2010/main" val="2590706681"/>
+      </p:ext>
+    </p:extLst>
+  </p:cSld>
+  <p:clrMapOvr>
+    <a:masterClrMapping/>
+  </p:clrMapOvr>
+</p:sld>
+</file>
+
+<file path=ppt/slides/slide8.xml><?xml version="1.0" encoding="utf-8"?>
+<p:sld xmlns:a="http://schemas.openxmlformats.org/drawingml/2006/main" xmlns:r="http://schemas.openxmlformats.org/officeDocument/2006/relationships" xmlns:p="http://schemas.openxmlformats.org/presentationml/2006/main">
+  <p:cSld>
+    <p:spTree>
+      <p:nvGrpSpPr>
+        <p:cNvPr id="1" name=""/>
+        <p:cNvGrpSpPr/>
+        <p:nvPr/>
+      </p:nvGrpSpPr>
+      <p:grpSpPr>
+        <a:xfrm>
+          <a:off x="0" y="0"/>
+          <a:ext cx="0" cy="0"/>
+          <a:chOff x="0" y="0"/>
+          <a:chExt cx="0" cy="0"/>
+        </a:xfrm>
+      </p:grpSpPr>
+      <p:sp>
+        <p:nvSpPr>
+          <p:cNvPr id="2" name="Titel 1">
+            <a:extLst>
+              <a:ext uri="{FF2B5EF4-FFF2-40B4-BE49-F238E27FC236}">
+                <a16:creationId xmlns:a16="http://schemas.microsoft.com/office/drawing/2014/main" id="{6A6E1EF2-C8C2-FA48-8406-329FFF2ABD27}"/>
+              </a:ext>
+            </a:extLst>
+          </p:cNvPr>
+          <p:cNvSpPr>
+            <a:spLocks noGrp="1"/>
+          </p:cNvSpPr>
+          <p:nvPr>
+            <p:ph type="title"/>
+          </p:nvPr>
+        </p:nvSpPr>
+        <p:spPr/>
+        <p:txBody>
+          <a:bodyPr/>
+          <a:lstStyle/>
+          <a:p>
+            <a:r>
+              <a:rPr lang="en-GB" dirty="0"/>
+              <a:t>Stepper motors</a:t>
+            </a:r>
+            <a:endParaRPr lang="de-DE" dirty="0"/>
+          </a:p>
+        </p:txBody>
+      </p:sp>
+      <p:pic>
+        <p:nvPicPr>
+          <p:cNvPr id="13" name="Inhaltsplatzhalter 12">
+            <a:extLst>
+              <a:ext uri="{FF2B5EF4-FFF2-40B4-BE49-F238E27FC236}">
+                <a16:creationId xmlns:a16="http://schemas.microsoft.com/office/drawing/2014/main" id="{CBC12707-38D2-F646-932A-34D24D2BD1FA}"/>
+              </a:ext>
+            </a:extLst>
+          </p:cNvPr>
+          <p:cNvPicPr>
+            <a:picLocks noGrp="1" noChangeAspect="1"/>
+          </p:cNvPicPr>
+          <p:nvPr>
+            <p:ph idx="1"/>
+          </p:nvPr>
+        </p:nvPicPr>
+        <p:blipFill>
+          <a:blip r:embed="rId2">
+            <a:extLst>
+              <a:ext uri="{28A0092B-C50C-407E-A947-70E740481C1C}">
+                <a14:useLocalDpi xmlns:a14="http://schemas.microsoft.com/office/drawing/2010/main" val="0"/>
+              </a:ext>
+            </a:extLst>
+          </a:blip>
+          <a:stretch>
+            <a:fillRect/>
+          </a:stretch>
+        </p:blipFill>
+        <p:spPr>
+          <a:xfrm>
+            <a:off x="600456" y="4074422"/>
+            <a:ext cx="4445000" cy="1905000"/>
+          </a:xfrm>
+        </p:spPr>
+      </p:pic>
+      <p:pic>
+        <p:nvPicPr>
+          <p:cNvPr id="15" name="Grafik 14">
+            <a:extLst>
+              <a:ext uri="{FF2B5EF4-FFF2-40B4-BE49-F238E27FC236}">
+                <a16:creationId xmlns:a16="http://schemas.microsoft.com/office/drawing/2014/main" id="{65F7113B-BA6E-9947-89CB-4F9FE6E0C62D}"/>
+              </a:ext>
+            </a:extLst>
+          </p:cNvPr>
+          <p:cNvPicPr>
+            <a:picLocks noChangeAspect="1"/>
+          </p:cNvPicPr>
+          <p:nvPr/>
+        </p:nvPicPr>
+        <p:blipFill>
+          <a:blip r:embed="rId3">
+            <a:extLst>
+              <a:ext uri="{28A0092B-C50C-407E-A947-70E740481C1C}">
+                <a14:useLocalDpi xmlns:a14="http://schemas.microsoft.com/office/drawing/2010/main" val="0"/>
+              </a:ext>
+            </a:extLst>
+          </a:blip>
+          <a:stretch>
+            <a:fillRect/>
+          </a:stretch>
+        </p:blipFill>
+        <p:spPr>
+          <a:xfrm>
+            <a:off x="5283200" y="4074422"/>
+            <a:ext cx="4445000" cy="1905000"/>
+          </a:xfrm>
+          <a:prstGeom prst="rect">
+            <a:avLst/>
+          </a:prstGeom>
+        </p:spPr>
+      </p:pic>
+      <p:pic>
+        <p:nvPicPr>
+          <p:cNvPr id="17" name="Grafik 16">
+            <a:extLst>
+              <a:ext uri="{FF2B5EF4-FFF2-40B4-BE49-F238E27FC236}">
+                <a16:creationId xmlns:a16="http://schemas.microsoft.com/office/drawing/2014/main" id="{3C1C13D2-F85D-FD42-86AF-481046B4D5C1}"/>
+              </a:ext>
+            </a:extLst>
+          </p:cNvPr>
+          <p:cNvPicPr>
+            <a:picLocks noChangeAspect="1"/>
+          </p:cNvPicPr>
+          <p:nvPr/>
+        </p:nvPicPr>
+        <p:blipFill>
+          <a:blip r:embed="rId4">
+            <a:extLst>
+              <a:ext uri="{28A0092B-C50C-407E-A947-70E740481C1C}">
+                <a14:useLocalDpi xmlns:a14="http://schemas.microsoft.com/office/drawing/2010/main" val="0"/>
+              </a:ext>
+            </a:extLst>
+          </a:blip>
+          <a:stretch>
+            <a:fillRect/>
+          </a:stretch>
+        </p:blipFill>
+        <p:spPr>
+          <a:xfrm>
+            <a:off x="5128642" y="653542"/>
+            <a:ext cx="4754116" cy="3159506"/>
+          </a:xfrm>
+          <a:prstGeom prst="rect">
+            <a:avLst/>
+          </a:prstGeom>
+        </p:spPr>
+      </p:pic>
+    </p:spTree>
+    <p:extLst>
+      <p:ext uri="{BB962C8B-B14F-4D97-AF65-F5344CB8AC3E}">
+        <p14:creationId xmlns:p14="http://schemas.microsoft.com/office/powerpoint/2010/main" val="1573311288"/>
+      </p:ext>
+    </p:extLst>
+  </p:cSld>
+  <p:clrMapOvr>
+    <a:masterClrMapping/>
+  </p:clrMapOvr>
+  <p:timing>
+    <p:tnLst>
+      <p:par>
+        <p:cTn id="1" dur="indefinite" restart="never" nodeType="tmRoot">
+          <p:childTnLst>
+            <p:seq concurrent="1" nextAc="seek">
+              <p:cTn id="2" dur="indefinite" nodeType="mainSeq">
+                <p:childTnLst>
+                  <p:par>
+                    <p:cTn id="3" fill="hold">
+                      <p:stCondLst>
+                        <p:cond delay="indefinite"/>
+                      </p:stCondLst>
+                      <p:childTnLst>
+                        <p:par>
+                          <p:cTn id="4" fill="hold">
+                            <p:stCondLst>
+                              <p:cond delay="0"/>
+                            </p:stCondLst>
+                            <p:childTnLst>
+                              <p:par>
+                                <p:cTn id="5" presetID="1" presetClass="entr" presetSubtype="0" fill="hold" nodeType="clickEffect">
+                                  <p:stCondLst>
+                                    <p:cond delay="0"/>
+                                  </p:stCondLst>
+                                  <p:childTnLst>
+                                    <p:set>
+                                      <p:cBhvr>
+                                        <p:cTn id="6" dur="1" fill="hold">
+                                          <p:stCondLst>
+                                            <p:cond delay="0"/>
+                                          </p:stCondLst>
+                                        </p:cTn>
+                                        <p:tgtEl>
+                                          <p:spTgt spid="13"/>
+                                        </p:tgtEl>
+                                        <p:attrNameLst>
+                                          <p:attrName>style.visibility</p:attrName>
+                                        </p:attrNameLst>
+                                      </p:cBhvr>
+                                      <p:to>
+                                        <p:strVal val="visible"/>
+                                      </p:to>
+                                    </p:set>
+                                  </p:childTnLst>
+                                </p:cTn>
+                              </p:par>
+                            </p:childTnLst>
+                          </p:cTn>
+                        </p:par>
+                      </p:childTnLst>
+                    </p:cTn>
+                  </p:par>
+                  <p:par>
+                    <p:cTn id="7" fill="hold">
+                      <p:stCondLst>
+                        <p:cond delay="indefinite"/>
+                      </p:stCondLst>
+                      <p:childTnLst>
+                        <p:par>
+                          <p:cTn id="8" fill="hold">
+                            <p:stCondLst>
+                              <p:cond delay="0"/>
+                            </p:stCondLst>
+                            <p:childTnLst>
+                              <p:par>
+                                <p:cTn id="9" presetID="1" presetClass="entr" presetSubtype="0" fill="hold" nodeType="clickEffect">
+                                  <p:stCondLst>
+                                    <p:cond delay="0"/>
+                                  </p:stCondLst>
+                                  <p:childTnLst>
+                                    <p:set>
+                                      <p:cBhvr>
+                                        <p:cTn id="10" dur="1" fill="hold">
+                                          <p:stCondLst>
+                                            <p:cond delay="0"/>
+                                          </p:stCondLst>
+                                        </p:cTn>
+                                        <p:tgtEl>
+                                          <p:spTgt spid="15"/>
+                                        </p:tgtEl>
+                                        <p:attrNameLst>
+                                          <p:attrName>style.visibility</p:attrName>
+                                        </p:attrNameLst>
+                                      </p:cBhvr>
+                                      <p:to>
+                                        <p:strVal val="visible"/>
+                                      </p:to>
+                                    </p:set>
+                                  </p:childTnLst>
+                                </p:cTn>
+                              </p:par>
+                            </p:childTnLst>
+                          </p:cTn>
+                        </p:par>
+                      </p:childTnLst>
+                    </p:cTn>
+                  </p:par>
+                </p:childTnLst>
+              </p:cTn>
+              <p:prevCondLst>
+                <p:cond evt="onPrev" delay="0">
+                  <p:tgtEl>
+                    <p:sldTgt/>
+                  </p:tgtEl>
+                </p:cond>
+              </p:prevCondLst>
+              <p:nextCondLst>
+                <p:cond evt="onNext" delay="0">
+                  <p:tgtEl>
+                    <p:sldTgt/>
+                  </p:tgtEl>
+                </p:cond>
+              </p:nextCondLst>
+            </p:seq>
+          </p:childTnLst>
+        </p:cTn>
+      </p:par>
+    </p:tnLst>
+  </p:timing>
+</p:sld>
+</file>
+
+<file path=ppt/slides/slide9.xml><?xml version="1.0" encoding="utf-8"?>
+<p:sld xmlns:a="http://schemas.openxmlformats.org/drawingml/2006/main" xmlns:r="http://schemas.openxmlformats.org/officeDocument/2006/relationships" xmlns:p="http://schemas.openxmlformats.org/presentationml/2006/main">
+  <p:cSld>
+    <p:spTree>
+      <p:nvGrpSpPr>
+        <p:cNvPr id="1" name=""/>
+        <p:cNvGrpSpPr/>
+        <p:nvPr/>
+      </p:nvGrpSpPr>
+      <p:grpSpPr>
+        <a:xfrm>
+          <a:off x="0" y="0"/>
+          <a:ext cx="0" cy="0"/>
+          <a:chOff x="0" y="0"/>
+          <a:chExt cx="0" cy="0"/>
+        </a:xfrm>
+      </p:grpSpPr>
+      <p:sp>
+        <p:nvSpPr>
+          <p:cNvPr id="2" name="Titel 1">
+            <a:extLst>
+              <a:ext uri="{FF2B5EF4-FFF2-40B4-BE49-F238E27FC236}">
+                <a16:creationId xmlns:a16="http://schemas.microsoft.com/office/drawing/2014/main" id="{26880A4C-FD5E-F546-A60E-E42C1603CC03}"/>
+              </a:ext>
+            </a:extLst>
+          </p:cNvPr>
+          <p:cNvSpPr>
+            <a:spLocks noGrp="1"/>
+          </p:cNvSpPr>
+          <p:nvPr>
+            <p:ph type="title"/>
+          </p:nvPr>
+        </p:nvSpPr>
+        <p:spPr/>
+        <p:txBody>
+          <a:bodyPr/>
+          <a:lstStyle/>
+          <a:p>
+            <a:r>
+              <a:rPr lang="en-GB" dirty="0"/>
+              <a:t>Stepper motors</a:t>
+            </a:r>
+          </a:p>
+        </p:txBody>
+      </p:sp>
+      <p:pic>
+        <p:nvPicPr>
+          <p:cNvPr id="5" name="Inhaltsplatzhalter 4">
+            <a:extLst>
+              <a:ext uri="{FF2B5EF4-FFF2-40B4-BE49-F238E27FC236}">
+                <a16:creationId xmlns:a16="http://schemas.microsoft.com/office/drawing/2014/main" id="{A61DB839-1E70-3543-B5C2-61B9226390B8}"/>
+              </a:ext>
+            </a:extLst>
+          </p:cNvPr>
+          <p:cNvPicPr>
+            <a:picLocks noGrp="1" noChangeAspect="1"/>
+          </p:cNvPicPr>
+          <p:nvPr>
+            <p:ph idx="1"/>
+          </p:nvPr>
+        </p:nvPicPr>
+        <p:blipFill>
+          <a:blip r:embed="rId2">
+            <a:extLst>
+              <a:ext uri="{28A0092B-C50C-407E-A947-70E740481C1C}">
+                <a14:useLocalDpi xmlns:a14="http://schemas.microsoft.com/office/drawing/2010/main" val="0"/>
+              </a:ext>
+            </a:extLst>
+          </a:blip>
+          <a:stretch>
+            <a:fillRect/>
+          </a:stretch>
+        </p:blipFill>
+        <p:spPr>
+          <a:xfrm>
+            <a:off x="2319781" y="1690688"/>
+            <a:ext cx="6753783" cy="3978592"/>
+          </a:xfrm>
+        </p:spPr>
+      </p:pic>
+    </p:spTree>
+    <p:extLst>
+      <p:ext uri="{BB962C8B-B14F-4D97-AF65-F5344CB8AC3E}">
+        <p14:creationId xmlns:p14="http://schemas.microsoft.com/office/powerpoint/2010/main" val="3184914739"/>
+      </p:ext>
+    </p:extLst>
+  </p:cSld>
+  <p:clrMapOvr>
+    <a:masterClrMapping/>
+  </p:clrMapOvr>
 </p:sld>
 </file>
 
